--- a/CPE Electives (1 - 3)/01. Lectures Notebook/000. Presentations & Text Books/01. Presentation Slides/06.4 STL Decomposition.pptx
+++ b/CPE Electives (1 - 3)/01. Lectures Notebook/000. Presentations & Text Books/01. Presentation Slides/06.4 STL Decomposition.pptx
@@ -5,10 +5,10 @@
     <p:sldMasterId id="2147483684" r:id="rId1"/>
   </p:sldMasterIdLst>
   <p:notesMasterIdLst>
-    <p:notesMasterId r:id="rId12"/>
+    <p:notesMasterId r:id="rId14"/>
   </p:notesMasterIdLst>
   <p:handoutMasterIdLst>
-    <p:handoutMasterId r:id="rId13"/>
+    <p:handoutMasterId r:id="rId15"/>
   </p:handoutMasterIdLst>
   <p:sldIdLst>
     <p:sldId id="258" r:id="rId2"/>
@@ -20,7 +20,9 @@
     <p:sldId id="399" r:id="rId8"/>
     <p:sldId id="400" r:id="rId9"/>
     <p:sldId id="392" r:id="rId10"/>
-    <p:sldId id="314" r:id="rId11"/>
+    <p:sldId id="346" r:id="rId11"/>
+    <p:sldId id="401" r:id="rId12"/>
+    <p:sldId id="314" r:id="rId13"/>
   </p:sldIdLst>
   <p:sldSz cx="12192000" cy="6858000"/>
   <p:notesSz cx="6858000" cy="9144000"/>
@@ -234,7 +236,7 @@
           <a:p>
             <a:fld id="{3B6B94FD-5702-4F25-9A4D-07294FF3292C}" type="datetimeFigureOut">
               <a:rPr lang="en-PH" smtClean="0"/>
-              <a:t>26 Feb 2025</a:t>
+              <a:t>30 Jan 2026</a:t>
             </a:fld>
             <a:endParaRPr lang="en-PH"/>
           </a:p>
@@ -399,7 +401,7 @@
           <a:p>
             <a:fld id="{8365AC51-C568-4371-A28D-D14CF2BCF8BA}" type="datetimeFigureOut">
               <a:rPr lang="en-US" smtClean="0"/>
-              <a:t>2/26/2025</a:t>
+              <a:t>1/30/2026</a:t>
             </a:fld>
             <a:endParaRPr lang="en-US"/>
           </a:p>
@@ -741,6 +743,222 @@
     <p:extLst>
       <p:ext uri="{BB962C8B-B14F-4D97-AF65-F5344CB8AC3E}">
         <p14:creationId xmlns:p14="http://schemas.microsoft.com/office/powerpoint/2010/main" val="3268279810"/>
+      </p:ext>
+    </p:extLst>
+  </p:cSld>
+  <p:clrMapOvr>
+    <a:masterClrMapping/>
+  </p:clrMapOvr>
+</p:notes>
+</file>
+
+<file path=ppt/notesSlides/notesSlide2.xml><?xml version="1.0" encoding="utf-8"?>
+<p:notes xmlns:a="http://schemas.openxmlformats.org/drawingml/2006/main" xmlns:r="http://schemas.openxmlformats.org/officeDocument/2006/relationships" xmlns:p="http://schemas.openxmlformats.org/presentationml/2006/main">
+  <p:cSld>
+    <p:spTree>
+      <p:nvGrpSpPr>
+        <p:cNvPr id="1" name="">
+          <a:extLst>
+            <a:ext uri="{FF2B5EF4-FFF2-40B4-BE49-F238E27FC236}">
+              <a16:creationId xmlns:a16="http://schemas.microsoft.com/office/drawing/2014/main" id="{1B209E07-A799-163A-631B-B9A0A4DA3B82}"/>
+            </a:ext>
+          </a:extLst>
+        </p:cNvPr>
+        <p:cNvGrpSpPr/>
+        <p:nvPr/>
+      </p:nvGrpSpPr>
+      <p:grpSpPr>
+        <a:xfrm>
+          <a:off x="0" y="0"/>
+          <a:ext cx="0" cy="0"/>
+          <a:chOff x="0" y="0"/>
+          <a:chExt cx="0" cy="0"/>
+        </a:xfrm>
+      </p:grpSpPr>
+      <p:sp>
+        <p:nvSpPr>
+          <p:cNvPr id="2" name="Slide Image Placeholder 1">
+            <a:extLst>
+              <a:ext uri="{FF2B5EF4-FFF2-40B4-BE49-F238E27FC236}">
+                <a16:creationId xmlns:a16="http://schemas.microsoft.com/office/drawing/2014/main" id="{79CE3F58-AADE-7AC0-A2FE-EBCB20C7A636}"/>
+              </a:ext>
+            </a:extLst>
+          </p:cNvPr>
+          <p:cNvSpPr>
+            <a:spLocks noGrp="1" noRot="1" noChangeAspect="1"/>
+          </p:cNvSpPr>
+          <p:nvPr>
+            <p:ph type="sldImg"/>
+          </p:nvPr>
+        </p:nvSpPr>
+        <p:spPr/>
+      </p:sp>
+      <p:sp>
+        <p:nvSpPr>
+          <p:cNvPr id="3" name="Notes Placeholder 2">
+            <a:extLst>
+              <a:ext uri="{FF2B5EF4-FFF2-40B4-BE49-F238E27FC236}">
+                <a16:creationId xmlns:a16="http://schemas.microsoft.com/office/drawing/2014/main" id="{7F9C1A55-4169-E3D5-FF74-17940E0CE88C}"/>
+              </a:ext>
+            </a:extLst>
+          </p:cNvPr>
+          <p:cNvSpPr>
+            <a:spLocks noGrp="1"/>
+          </p:cNvSpPr>
+          <p:nvPr>
+            <p:ph type="body" idx="1"/>
+          </p:nvPr>
+        </p:nvSpPr>
+        <p:spPr/>
+        <p:txBody>
+          <a:bodyPr/>
+          <a:lstStyle/>
+          <a:p>
+            <a:endParaRPr lang="en-PH"/>
+          </a:p>
+        </p:txBody>
+      </p:sp>
+      <p:sp>
+        <p:nvSpPr>
+          <p:cNvPr id="4" name="Slide Number Placeholder 3">
+            <a:extLst>
+              <a:ext uri="{FF2B5EF4-FFF2-40B4-BE49-F238E27FC236}">
+                <a16:creationId xmlns:a16="http://schemas.microsoft.com/office/drawing/2014/main" id="{4349A43D-D378-A926-D0DD-C0FE32B2F867}"/>
+              </a:ext>
+            </a:extLst>
+          </p:cNvPr>
+          <p:cNvSpPr>
+            <a:spLocks noGrp="1"/>
+          </p:cNvSpPr>
+          <p:nvPr>
+            <p:ph type="sldNum" sz="quarter" idx="10"/>
+          </p:nvPr>
+        </p:nvSpPr>
+        <p:spPr/>
+        <p:txBody>
+          <a:bodyPr/>
+          <a:lstStyle/>
+          <a:p>
+            <a:fld id="{2A838477-70AC-4892-810E-E936ABB30F23}" type="slidenum">
+              <a:rPr lang="en-US" smtClean="0"/>
+              <a:t>10</a:t>
+            </a:fld>
+            <a:endParaRPr lang="en-US"/>
+          </a:p>
+        </p:txBody>
+      </p:sp>
+    </p:spTree>
+    <p:extLst>
+      <p:ext uri="{BB962C8B-B14F-4D97-AF65-F5344CB8AC3E}">
+        <p14:creationId xmlns:p14="http://schemas.microsoft.com/office/powerpoint/2010/main" val="4225107731"/>
+      </p:ext>
+    </p:extLst>
+  </p:cSld>
+  <p:clrMapOvr>
+    <a:masterClrMapping/>
+  </p:clrMapOvr>
+</p:notes>
+</file>
+
+<file path=ppt/notesSlides/notesSlide3.xml><?xml version="1.0" encoding="utf-8"?>
+<p:notes xmlns:a="http://schemas.openxmlformats.org/drawingml/2006/main" xmlns:r="http://schemas.openxmlformats.org/officeDocument/2006/relationships" xmlns:p="http://schemas.openxmlformats.org/presentationml/2006/main">
+  <p:cSld>
+    <p:spTree>
+      <p:nvGrpSpPr>
+        <p:cNvPr id="1" name="">
+          <a:extLst>
+            <a:ext uri="{FF2B5EF4-FFF2-40B4-BE49-F238E27FC236}">
+              <a16:creationId xmlns:a16="http://schemas.microsoft.com/office/drawing/2014/main" id="{7682802B-2355-A133-6801-131BB31C7917}"/>
+            </a:ext>
+          </a:extLst>
+        </p:cNvPr>
+        <p:cNvGrpSpPr/>
+        <p:nvPr/>
+      </p:nvGrpSpPr>
+      <p:grpSpPr>
+        <a:xfrm>
+          <a:off x="0" y="0"/>
+          <a:ext cx="0" cy="0"/>
+          <a:chOff x="0" y="0"/>
+          <a:chExt cx="0" cy="0"/>
+        </a:xfrm>
+      </p:grpSpPr>
+      <p:sp>
+        <p:nvSpPr>
+          <p:cNvPr id="2" name="Slide Image Placeholder 1">
+            <a:extLst>
+              <a:ext uri="{FF2B5EF4-FFF2-40B4-BE49-F238E27FC236}">
+                <a16:creationId xmlns:a16="http://schemas.microsoft.com/office/drawing/2014/main" id="{83AC7F1A-F71D-1512-C6CD-71C1BE318ED9}"/>
+              </a:ext>
+            </a:extLst>
+          </p:cNvPr>
+          <p:cNvSpPr>
+            <a:spLocks noGrp="1" noRot="1" noChangeAspect="1"/>
+          </p:cNvSpPr>
+          <p:nvPr>
+            <p:ph type="sldImg"/>
+          </p:nvPr>
+        </p:nvSpPr>
+        <p:spPr/>
+      </p:sp>
+      <p:sp>
+        <p:nvSpPr>
+          <p:cNvPr id="3" name="Notes Placeholder 2">
+            <a:extLst>
+              <a:ext uri="{FF2B5EF4-FFF2-40B4-BE49-F238E27FC236}">
+                <a16:creationId xmlns:a16="http://schemas.microsoft.com/office/drawing/2014/main" id="{626E0925-DDD6-E0D5-651E-0D8A5521DB1B}"/>
+              </a:ext>
+            </a:extLst>
+          </p:cNvPr>
+          <p:cNvSpPr>
+            <a:spLocks noGrp="1"/>
+          </p:cNvSpPr>
+          <p:nvPr>
+            <p:ph type="body" idx="1"/>
+          </p:nvPr>
+        </p:nvSpPr>
+        <p:spPr/>
+        <p:txBody>
+          <a:bodyPr/>
+          <a:lstStyle/>
+          <a:p>
+            <a:endParaRPr lang="en-PH"/>
+          </a:p>
+        </p:txBody>
+      </p:sp>
+      <p:sp>
+        <p:nvSpPr>
+          <p:cNvPr id="4" name="Slide Number Placeholder 3">
+            <a:extLst>
+              <a:ext uri="{FF2B5EF4-FFF2-40B4-BE49-F238E27FC236}">
+                <a16:creationId xmlns:a16="http://schemas.microsoft.com/office/drawing/2014/main" id="{4D505FB5-2525-2B09-0A9F-F85AFC43B15E}"/>
+              </a:ext>
+            </a:extLst>
+          </p:cNvPr>
+          <p:cNvSpPr>
+            <a:spLocks noGrp="1"/>
+          </p:cNvSpPr>
+          <p:nvPr>
+            <p:ph type="sldNum" sz="quarter" idx="10"/>
+          </p:nvPr>
+        </p:nvSpPr>
+        <p:spPr/>
+        <p:txBody>
+          <a:bodyPr/>
+          <a:lstStyle/>
+          <a:p>
+            <a:fld id="{2A838477-70AC-4892-810E-E936ABB30F23}" type="slidenum">
+              <a:rPr lang="en-US" smtClean="0"/>
+              <a:t>11</a:t>
+            </a:fld>
+            <a:endParaRPr lang="en-US"/>
+          </a:p>
+        </p:txBody>
+      </p:sp>
+    </p:spTree>
+    <p:extLst>
+      <p:ext uri="{BB962C8B-B14F-4D97-AF65-F5344CB8AC3E}">
+        <p14:creationId xmlns:p14="http://schemas.microsoft.com/office/powerpoint/2010/main" val="869087552"/>
       </p:ext>
     </p:extLst>
   </p:cSld>
@@ -4256,6 +4474,540 @@
 </file>
 
 <file path=ppt/slides/slide10.xml><?xml version="1.0" encoding="utf-8"?>
+<p:sld xmlns:a="http://schemas.openxmlformats.org/drawingml/2006/main" xmlns:r="http://schemas.openxmlformats.org/officeDocument/2006/relationships" xmlns:p="http://schemas.openxmlformats.org/presentationml/2006/main">
+  <p:cSld>
+    <p:spTree>
+      <p:nvGrpSpPr>
+        <p:cNvPr id="1" name="">
+          <a:extLst>
+            <a:ext uri="{FF2B5EF4-FFF2-40B4-BE49-F238E27FC236}">
+              <a16:creationId xmlns:a16="http://schemas.microsoft.com/office/drawing/2014/main" id="{922FA58A-F216-D3EF-1E0C-3450732A4798}"/>
+            </a:ext>
+          </a:extLst>
+        </p:cNvPr>
+        <p:cNvGrpSpPr/>
+        <p:nvPr/>
+      </p:nvGrpSpPr>
+      <p:grpSpPr>
+        <a:xfrm>
+          <a:off x="0" y="0"/>
+          <a:ext cx="0" cy="0"/>
+          <a:chOff x="0" y="0"/>
+          <a:chExt cx="0" cy="0"/>
+        </a:xfrm>
+      </p:grpSpPr>
+      <p:sp>
+        <p:nvSpPr>
+          <p:cNvPr id="2" name="TextBox 1">
+            <a:extLst>
+              <a:ext uri="{FF2B5EF4-FFF2-40B4-BE49-F238E27FC236}">
+                <a16:creationId xmlns:a16="http://schemas.microsoft.com/office/drawing/2014/main" id="{32849AEC-854C-BBBB-0C4B-5B53B216E0D0}"/>
+              </a:ext>
+            </a:extLst>
+          </p:cNvPr>
+          <p:cNvSpPr txBox="1"/>
+          <p:nvPr/>
+        </p:nvSpPr>
+        <p:spPr>
+          <a:xfrm>
+            <a:off x="909655" y="885546"/>
+            <a:ext cx="10282560" cy="1077218"/>
+          </a:xfrm>
+          <a:prstGeom prst="rect">
+            <a:avLst/>
+          </a:prstGeom>
+          <a:noFill/>
+        </p:spPr>
+        <p:txBody>
+          <a:bodyPr wrap="square" rtlCol="0">
+            <a:spAutoFit/>
+          </a:bodyPr>
+          <a:lstStyle/>
+          <a:p>
+            <a:r>
+              <a:rPr lang="en-US" sz="3200" b="1" dirty="0"/>
+              <a:t>01. One of the key advantage of STL decomposition is its flexibility. Which feature illustrates this?</a:t>
+            </a:r>
+            <a:endParaRPr lang="en-PH" sz="3200" dirty="0"/>
+          </a:p>
+        </p:txBody>
+      </p:sp>
+      <p:graphicFrame>
+        <p:nvGraphicFramePr>
+          <p:cNvPr id="4" name="Table 3">
+            <a:extLst>
+              <a:ext uri="{FF2B5EF4-FFF2-40B4-BE49-F238E27FC236}">
+                <a16:creationId xmlns:a16="http://schemas.microsoft.com/office/drawing/2014/main" id="{27CC8540-1453-0C17-3D4F-3566E3483778}"/>
+              </a:ext>
+            </a:extLst>
+          </p:cNvPr>
+          <p:cNvGraphicFramePr>
+            <a:graphicFrameLocks noGrp="1"/>
+          </p:cNvGraphicFramePr>
+          <p:nvPr>
+            <p:extLst>
+              <p:ext uri="{D42A27DB-BD31-4B8C-83A1-F6EECF244321}">
+                <p14:modId xmlns:p14="http://schemas.microsoft.com/office/powerpoint/2010/main" val="2026936017"/>
+              </p:ext>
+            </p:extLst>
+          </p:nvPr>
+        </p:nvGraphicFramePr>
+        <p:xfrm>
+          <a:off x="909655" y="1953893"/>
+          <a:ext cx="10135464" cy="3779520"/>
+        </p:xfrm>
+        <a:graphic>
+          <a:graphicData uri="http://schemas.openxmlformats.org/drawingml/2006/table">
+            <a:tbl>
+              <a:tblPr firstRow="1" bandRow="1">
+                <a:tableStyleId>{5940675A-B579-460E-94D1-54222C63F5DA}</a:tableStyleId>
+              </a:tblPr>
+              <a:tblGrid>
+                <a:gridCol w="10135464">
+                  <a:extLst>
+                    <a:ext uri="{9D8B030D-6E8A-4147-A177-3AD203B41FA5}">
+                      <a16:colId xmlns:a16="http://schemas.microsoft.com/office/drawing/2014/main" val="347220614"/>
+                    </a:ext>
+                  </a:extLst>
+                </a:gridCol>
+              </a:tblGrid>
+              <a:tr h="417278">
+                <a:tc>
+                  <a:txBody>
+                    <a:bodyPr/>
+                    <a:lstStyle/>
+                    <a:p>
+                      <a:r>
+                        <a:rPr lang="en-US" sz="2800" b="1" dirty="0"/>
+                        <a:t>A</a:t>
+                      </a:r>
+                      <a:r>
+                        <a:rPr lang="en-US" sz="2800" dirty="0"/>
+                        <a:t>. It requires specifying only one smoothing parameter for the entire series</a:t>
+                      </a:r>
+                      <a:endParaRPr lang="en-PH" sz="2800" dirty="0"/>
+                    </a:p>
+                  </a:txBody>
+                  <a:tcPr/>
+                </a:tc>
+                <a:extLst>
+                  <a:ext uri="{0D108BD9-81ED-4DB2-BD59-A6C34878D82A}">
+                    <a16:rowId xmlns:a16="http://schemas.microsoft.com/office/drawing/2014/main" val="3090890639"/>
+                  </a:ext>
+                </a:extLst>
+              </a:tr>
+              <a:tr h="599033">
+                <a:tc>
+                  <a:txBody>
+                    <a:bodyPr/>
+                    <a:lstStyle/>
+                    <a:p>
+                      <a:r>
+                        <a:rPr lang="en-US" sz="2800" b="1" dirty="0"/>
+                        <a:t>B</a:t>
+                      </a:r>
+                      <a:r>
+                        <a:rPr lang="en-US" sz="2800" dirty="0"/>
+                        <a:t>. It produces forecasts that are more accurate than ETS models 100% of the time</a:t>
+                      </a:r>
+                    </a:p>
+                  </a:txBody>
+                  <a:tcPr/>
+                </a:tc>
+                <a:extLst>
+                  <a:ext uri="{0D108BD9-81ED-4DB2-BD59-A6C34878D82A}">
+                    <a16:rowId xmlns:a16="http://schemas.microsoft.com/office/drawing/2014/main" val="2340900590"/>
+                  </a:ext>
+                </a:extLst>
+              </a:tr>
+              <a:tr h="508725">
+                <a:tc>
+                  <a:txBody>
+                    <a:bodyPr/>
+                    <a:lstStyle/>
+                    <a:p>
+                      <a:r>
+                        <a:rPr lang="en-US" sz="2800" b="1" dirty="0"/>
+                        <a:t>C</a:t>
+                      </a:r>
+                      <a:r>
+                        <a:rPr lang="en-US" sz="2800" dirty="0"/>
+                        <a:t>. It allows seasonal component to change by using locally weighted smoothing</a:t>
+                      </a:r>
+                      <a:endParaRPr lang="en-PH" sz="2800" dirty="0"/>
+                    </a:p>
+                  </a:txBody>
+                  <a:tcPr>
+                    <a:solidFill>
+                      <a:schemeClr val="bg1"/>
+                    </a:solidFill>
+                  </a:tcPr>
+                </a:tc>
+                <a:extLst>
+                  <a:ext uri="{0D108BD9-81ED-4DB2-BD59-A6C34878D82A}">
+                    <a16:rowId xmlns:a16="http://schemas.microsoft.com/office/drawing/2014/main" val="3017780003"/>
+                  </a:ext>
+                </a:extLst>
+              </a:tr>
+              <a:tr h="508725">
+                <a:tc>
+                  <a:txBody>
+                    <a:bodyPr/>
+                    <a:lstStyle/>
+                    <a:p>
+                      <a:pPr marL="0" marR="0" lvl="0" indent="0" algn="l" defTabSz="914400" rtl="0" eaLnBrk="1" fontAlgn="auto" latinLnBrk="0" hangingPunct="1">
+                        <a:lnSpc>
+                          <a:spcPct val="100000"/>
+                        </a:lnSpc>
+                        <a:spcBef>
+                          <a:spcPts val="0"/>
+                        </a:spcBef>
+                        <a:spcAft>
+                          <a:spcPts val="0"/>
+                        </a:spcAft>
+                        <a:buClrTx/>
+                        <a:buSzTx/>
+                        <a:buFontTx/>
+                        <a:buNone/>
+                        <a:tabLst/>
+                        <a:defRPr/>
+                      </a:pPr>
+                      <a:r>
+                        <a:rPr lang="en-US" sz="2800" b="1" kern="1200" dirty="0">
+                          <a:solidFill>
+                            <a:schemeClr val="tx1"/>
+                          </a:solidFill>
+                          <a:latin typeface="+mn-lt"/>
+                          <a:ea typeface="+mn-ea"/>
+                          <a:cs typeface="+mn-cs"/>
+                        </a:rPr>
+                        <a:t>D</a:t>
+                      </a:r>
+                      <a:r>
+                        <a:rPr lang="en-US" sz="2800" kern="1200" dirty="0">
+                          <a:solidFill>
+                            <a:schemeClr val="tx1"/>
+                          </a:solidFill>
+                          <a:latin typeface="+mn-lt"/>
+                          <a:ea typeface="+mn-ea"/>
+                          <a:cs typeface="+mn-cs"/>
+                        </a:rPr>
+                        <a:t>. It can handle any type of seasonality automatically without user </a:t>
+                      </a:r>
+                      <a:r>
+                        <a:rPr lang="en-US" sz="2800" kern="1200" dirty="0" err="1">
+                          <a:solidFill>
+                            <a:schemeClr val="tx1"/>
+                          </a:solidFill>
+                          <a:latin typeface="+mn-lt"/>
+                          <a:ea typeface="+mn-ea"/>
+                          <a:cs typeface="+mn-cs"/>
+                        </a:rPr>
+                        <a:t>inpute</a:t>
+                      </a:r>
+                      <a:endParaRPr lang="en-PH" sz="2800" kern="1200" dirty="0">
+                        <a:solidFill>
+                          <a:schemeClr val="tx1"/>
+                        </a:solidFill>
+                        <a:latin typeface="+mn-lt"/>
+                        <a:ea typeface="+mn-ea"/>
+                        <a:cs typeface="+mn-cs"/>
+                      </a:endParaRPr>
+                    </a:p>
+                  </a:txBody>
+                  <a:tcPr/>
+                </a:tc>
+                <a:extLst>
+                  <a:ext uri="{0D108BD9-81ED-4DB2-BD59-A6C34878D82A}">
+                    <a16:rowId xmlns:a16="http://schemas.microsoft.com/office/drawing/2014/main" val="716630035"/>
+                  </a:ext>
+                </a:extLst>
+              </a:tr>
+            </a:tbl>
+          </a:graphicData>
+        </a:graphic>
+      </p:graphicFrame>
+    </p:spTree>
+    <p:extLst>
+      <p:ext uri="{BB962C8B-B14F-4D97-AF65-F5344CB8AC3E}">
+        <p14:creationId xmlns:p14="http://schemas.microsoft.com/office/powerpoint/2010/main" val="2076169563"/>
+      </p:ext>
+    </p:extLst>
+  </p:cSld>
+  <p:clrMapOvr>
+    <a:masterClrMapping/>
+  </p:clrMapOvr>
+</p:sld>
+</file>
+
+<file path=ppt/slides/slide11.xml><?xml version="1.0" encoding="utf-8"?>
+<p:sld xmlns:a="http://schemas.openxmlformats.org/drawingml/2006/main" xmlns:r="http://schemas.openxmlformats.org/officeDocument/2006/relationships" xmlns:p="http://schemas.openxmlformats.org/presentationml/2006/main">
+  <p:cSld>
+    <p:spTree>
+      <p:nvGrpSpPr>
+        <p:cNvPr id="1" name="">
+          <a:extLst>
+            <a:ext uri="{FF2B5EF4-FFF2-40B4-BE49-F238E27FC236}">
+              <a16:creationId xmlns:a16="http://schemas.microsoft.com/office/drawing/2014/main" id="{0F90D59E-7C4A-EAB9-3ECA-84E9911C3D65}"/>
+            </a:ext>
+          </a:extLst>
+        </p:cNvPr>
+        <p:cNvGrpSpPr/>
+        <p:nvPr/>
+      </p:nvGrpSpPr>
+      <p:grpSpPr>
+        <a:xfrm>
+          <a:off x="0" y="0"/>
+          <a:ext cx="0" cy="0"/>
+          <a:chOff x="0" y="0"/>
+          <a:chExt cx="0" cy="0"/>
+        </a:xfrm>
+      </p:grpSpPr>
+      <p:sp>
+        <p:nvSpPr>
+          <p:cNvPr id="2" name="TextBox 1">
+            <a:extLst>
+              <a:ext uri="{FF2B5EF4-FFF2-40B4-BE49-F238E27FC236}">
+                <a16:creationId xmlns:a16="http://schemas.microsoft.com/office/drawing/2014/main" id="{8B8EC54E-114D-B218-B474-F811402A7DDA}"/>
+              </a:ext>
+            </a:extLst>
+          </p:cNvPr>
+          <p:cNvSpPr txBox="1"/>
+          <p:nvPr/>
+        </p:nvSpPr>
+        <p:spPr>
+          <a:xfrm>
+            <a:off x="909655" y="885546"/>
+            <a:ext cx="10282560" cy="1077218"/>
+          </a:xfrm>
+          <a:prstGeom prst="rect">
+            <a:avLst/>
+          </a:prstGeom>
+          <a:noFill/>
+        </p:spPr>
+        <p:txBody>
+          <a:bodyPr wrap="square" rtlCol="0">
+            <a:spAutoFit/>
+          </a:bodyPr>
+          <a:lstStyle/>
+          <a:p>
+            <a:r>
+              <a:rPr lang="en-US" sz="3200" b="1" dirty="0"/>
+              <a:t>01. One of the key advantage of STL decomposition is its flexibility. Which feature illustrates this?</a:t>
+            </a:r>
+            <a:endParaRPr lang="en-PH" sz="3200" dirty="0"/>
+          </a:p>
+        </p:txBody>
+      </p:sp>
+      <p:graphicFrame>
+        <p:nvGraphicFramePr>
+          <p:cNvPr id="4" name="Table 3">
+            <a:extLst>
+              <a:ext uri="{FF2B5EF4-FFF2-40B4-BE49-F238E27FC236}">
+                <a16:creationId xmlns:a16="http://schemas.microsoft.com/office/drawing/2014/main" id="{EAA75FC4-56D2-C8AE-1BFB-FAE8440A047F}"/>
+              </a:ext>
+            </a:extLst>
+          </p:cNvPr>
+          <p:cNvGraphicFramePr>
+            <a:graphicFrameLocks noGrp="1"/>
+          </p:cNvGraphicFramePr>
+          <p:nvPr>
+            <p:extLst>
+              <p:ext uri="{D42A27DB-BD31-4B8C-83A1-F6EECF244321}">
+                <p14:modId xmlns:p14="http://schemas.microsoft.com/office/powerpoint/2010/main" val="1861141066"/>
+              </p:ext>
+            </p:extLst>
+          </p:nvPr>
+        </p:nvGraphicFramePr>
+        <p:xfrm>
+          <a:off x="909655" y="1953893"/>
+          <a:ext cx="10135464" cy="3779520"/>
+        </p:xfrm>
+        <a:graphic>
+          <a:graphicData uri="http://schemas.openxmlformats.org/drawingml/2006/table">
+            <a:tbl>
+              <a:tblPr firstRow="1" bandRow="1">
+                <a:tableStyleId>{5940675A-B579-460E-94D1-54222C63F5DA}</a:tableStyleId>
+              </a:tblPr>
+              <a:tblGrid>
+                <a:gridCol w="10135464">
+                  <a:extLst>
+                    <a:ext uri="{9D8B030D-6E8A-4147-A177-3AD203B41FA5}">
+                      <a16:colId xmlns:a16="http://schemas.microsoft.com/office/drawing/2014/main" val="347220614"/>
+                    </a:ext>
+                  </a:extLst>
+                </a:gridCol>
+              </a:tblGrid>
+              <a:tr h="417278">
+                <a:tc>
+                  <a:txBody>
+                    <a:bodyPr/>
+                    <a:lstStyle/>
+                    <a:p>
+                      <a:r>
+                        <a:rPr lang="en-US" sz="2800" b="1" dirty="0"/>
+                        <a:t>A</a:t>
+                      </a:r>
+                      <a:r>
+                        <a:rPr lang="en-US" sz="2800" dirty="0"/>
+                        <a:t>. It requires specifying only one smoothing parameter for the entire series</a:t>
+                      </a:r>
+                      <a:endParaRPr lang="en-PH" sz="2800" dirty="0"/>
+                    </a:p>
+                  </a:txBody>
+                  <a:tcPr/>
+                </a:tc>
+                <a:extLst>
+                  <a:ext uri="{0D108BD9-81ED-4DB2-BD59-A6C34878D82A}">
+                    <a16:rowId xmlns:a16="http://schemas.microsoft.com/office/drawing/2014/main" val="3090890639"/>
+                  </a:ext>
+                </a:extLst>
+              </a:tr>
+              <a:tr h="599033">
+                <a:tc>
+                  <a:txBody>
+                    <a:bodyPr/>
+                    <a:lstStyle/>
+                    <a:p>
+                      <a:r>
+                        <a:rPr lang="en-US" sz="2800" b="1" dirty="0"/>
+                        <a:t>B</a:t>
+                      </a:r>
+                      <a:r>
+                        <a:rPr lang="en-US" sz="2800" dirty="0"/>
+                        <a:t>. It produces forecasts that are more accurate than ETS models 100% of the time</a:t>
+                      </a:r>
+                    </a:p>
+                  </a:txBody>
+                  <a:tcPr/>
+                </a:tc>
+                <a:extLst>
+                  <a:ext uri="{0D108BD9-81ED-4DB2-BD59-A6C34878D82A}">
+                    <a16:rowId xmlns:a16="http://schemas.microsoft.com/office/drawing/2014/main" val="2340900590"/>
+                  </a:ext>
+                </a:extLst>
+              </a:tr>
+              <a:tr h="508725">
+                <a:tc>
+                  <a:txBody>
+                    <a:bodyPr/>
+                    <a:lstStyle/>
+                    <a:p>
+                      <a:r>
+                        <a:rPr lang="en-US" sz="2800" b="1" dirty="0"/>
+                        <a:t>C</a:t>
+                      </a:r>
+                      <a:r>
+                        <a:rPr lang="en-US" sz="2800" dirty="0"/>
+                        <a:t>. It allows seasonal component to change by using locally weighted smoothing</a:t>
+                      </a:r>
+                      <a:endParaRPr lang="en-PH" sz="2800" dirty="0"/>
+                    </a:p>
+                  </a:txBody>
+                  <a:tcPr>
+                    <a:solidFill>
+                      <a:srgbClr val="FFFF00"/>
+                    </a:solidFill>
+                  </a:tcPr>
+                </a:tc>
+                <a:extLst>
+                  <a:ext uri="{0D108BD9-81ED-4DB2-BD59-A6C34878D82A}">
+                    <a16:rowId xmlns:a16="http://schemas.microsoft.com/office/drawing/2014/main" val="3017780003"/>
+                  </a:ext>
+                </a:extLst>
+              </a:tr>
+              <a:tr h="508725">
+                <a:tc>
+                  <a:txBody>
+                    <a:bodyPr/>
+                    <a:lstStyle/>
+                    <a:p>
+                      <a:pPr marL="0" marR="0" lvl="0" indent="0" algn="l" defTabSz="914400" rtl="0" eaLnBrk="1" fontAlgn="auto" latinLnBrk="0" hangingPunct="1">
+                        <a:lnSpc>
+                          <a:spcPct val="100000"/>
+                        </a:lnSpc>
+                        <a:spcBef>
+                          <a:spcPts val="0"/>
+                        </a:spcBef>
+                        <a:spcAft>
+                          <a:spcPts val="0"/>
+                        </a:spcAft>
+                        <a:buClrTx/>
+                        <a:buSzTx/>
+                        <a:buFontTx/>
+                        <a:buNone/>
+                        <a:tabLst/>
+                        <a:defRPr/>
+                      </a:pPr>
+                      <a:r>
+                        <a:rPr lang="en-US" sz="2800" b="1" kern="1200" dirty="0">
+                          <a:solidFill>
+                            <a:schemeClr val="tx1"/>
+                          </a:solidFill>
+                          <a:latin typeface="+mn-lt"/>
+                          <a:ea typeface="+mn-ea"/>
+                          <a:cs typeface="+mn-cs"/>
+                        </a:rPr>
+                        <a:t>D</a:t>
+                      </a:r>
+                      <a:r>
+                        <a:rPr lang="en-US" sz="2800" kern="1200" dirty="0">
+                          <a:solidFill>
+                            <a:schemeClr val="tx1"/>
+                          </a:solidFill>
+                          <a:latin typeface="+mn-lt"/>
+                          <a:ea typeface="+mn-ea"/>
+                          <a:cs typeface="+mn-cs"/>
+                        </a:rPr>
+                        <a:t>. It can handle any type of seasonality automatically without user </a:t>
+                      </a:r>
+                      <a:r>
+                        <a:rPr lang="en-US" sz="2800" kern="1200" dirty="0" err="1">
+                          <a:solidFill>
+                            <a:schemeClr val="tx1"/>
+                          </a:solidFill>
+                          <a:latin typeface="+mn-lt"/>
+                          <a:ea typeface="+mn-ea"/>
+                          <a:cs typeface="+mn-cs"/>
+                        </a:rPr>
+                        <a:t>inpute</a:t>
+                      </a:r>
+                      <a:endParaRPr lang="en-PH" sz="2800" kern="1200" dirty="0">
+                        <a:solidFill>
+                          <a:schemeClr val="tx1"/>
+                        </a:solidFill>
+                        <a:latin typeface="+mn-lt"/>
+                        <a:ea typeface="+mn-ea"/>
+                        <a:cs typeface="+mn-cs"/>
+                      </a:endParaRPr>
+                    </a:p>
+                  </a:txBody>
+                  <a:tcPr/>
+                </a:tc>
+                <a:extLst>
+                  <a:ext uri="{0D108BD9-81ED-4DB2-BD59-A6C34878D82A}">
+                    <a16:rowId xmlns:a16="http://schemas.microsoft.com/office/drawing/2014/main" val="716630035"/>
+                  </a:ext>
+                </a:extLst>
+              </a:tr>
+            </a:tbl>
+          </a:graphicData>
+        </a:graphic>
+      </p:graphicFrame>
+    </p:spTree>
+    <p:extLst>
+      <p:ext uri="{BB962C8B-B14F-4D97-AF65-F5344CB8AC3E}">
+        <p14:creationId xmlns:p14="http://schemas.microsoft.com/office/powerpoint/2010/main" val="1749112507"/>
+      </p:ext>
+    </p:extLst>
+  </p:cSld>
+  <p:clrMapOvr>
+    <a:masterClrMapping/>
+  </p:clrMapOvr>
+</p:sld>
+</file>
+
+<file path=ppt/slides/slide12.xml><?xml version="1.0" encoding="utf-8"?>
 <p:sld xmlns:a="http://schemas.openxmlformats.org/drawingml/2006/main" xmlns:r="http://schemas.openxmlformats.org/officeDocument/2006/relationships" xmlns:p="http://schemas.openxmlformats.org/presentationml/2006/main">
   <p:cSld>
     <p:spTree>
